--- a/documents/ApplicationArchitecture.pptx
+++ b/documents/ApplicationArchitecture.pptx
@@ -6,6 +6,7 @@
   </p:sldMasterIdLst>
   <p:sldIdLst>
     <p:sldId id="256" r:id="rId2"/>
+    <p:sldId id="257" r:id="rId3"/>
   </p:sldIdLst>
   <p:sldSz cx="12192000" cy="6858000"/>
   <p:notesSz cx="6858000" cy="9144000"/>
@@ -104,6 +105,11 @@
       </a:defRPr>
     </a:lvl9pPr>
   </p:defaultTextStyle>
+  <p:extLst>
+    <p:ext uri="{EFAFB233-063F-42B5-8137-9DF3F51BA10A}">
+      <p15:sldGuideLst xmlns:p15="http://schemas.microsoft.com/office/powerpoint/2012/main"/>
+    </p:ext>
+  </p:extLst>
 </p:presentation>
 </file>
 
@@ -254,7 +260,7 @@
           <a:p>
             <a:fld id="{F29F4A09-2506-4DE8-9F14-FD0FC1827DCF}" type="datetimeFigureOut">
               <a:rPr lang="en-US" smtClean="0"/>
-              <a:t>7/6/2021</a:t>
+              <a:t>7/8/2021</a:t>
             </a:fld>
             <a:endParaRPr lang="en-US"/>
           </a:p>
@@ -452,7 +458,7 @@
           <a:p>
             <a:fld id="{F29F4A09-2506-4DE8-9F14-FD0FC1827DCF}" type="datetimeFigureOut">
               <a:rPr lang="en-US" smtClean="0"/>
-              <a:t>7/6/2021</a:t>
+              <a:t>7/8/2021</a:t>
             </a:fld>
             <a:endParaRPr lang="en-US"/>
           </a:p>
@@ -660,7 +666,7 @@
           <a:p>
             <a:fld id="{F29F4A09-2506-4DE8-9F14-FD0FC1827DCF}" type="datetimeFigureOut">
               <a:rPr lang="en-US" smtClean="0"/>
-              <a:t>7/6/2021</a:t>
+              <a:t>7/8/2021</a:t>
             </a:fld>
             <a:endParaRPr lang="en-US"/>
           </a:p>
@@ -858,7 +864,7 @@
           <a:p>
             <a:fld id="{F29F4A09-2506-4DE8-9F14-FD0FC1827DCF}" type="datetimeFigureOut">
               <a:rPr lang="en-US" smtClean="0"/>
-              <a:t>7/6/2021</a:t>
+              <a:t>7/8/2021</a:t>
             </a:fld>
             <a:endParaRPr lang="en-US"/>
           </a:p>
@@ -1133,7 +1139,7 @@
           <a:p>
             <a:fld id="{F29F4A09-2506-4DE8-9F14-FD0FC1827DCF}" type="datetimeFigureOut">
               <a:rPr lang="en-US" smtClean="0"/>
-              <a:t>7/6/2021</a:t>
+              <a:t>7/8/2021</a:t>
             </a:fld>
             <a:endParaRPr lang="en-US"/>
           </a:p>
@@ -1398,7 +1404,7 @@
           <a:p>
             <a:fld id="{F29F4A09-2506-4DE8-9F14-FD0FC1827DCF}" type="datetimeFigureOut">
               <a:rPr lang="en-US" smtClean="0"/>
-              <a:t>7/6/2021</a:t>
+              <a:t>7/8/2021</a:t>
             </a:fld>
             <a:endParaRPr lang="en-US"/>
           </a:p>
@@ -1810,7 +1816,7 @@
           <a:p>
             <a:fld id="{F29F4A09-2506-4DE8-9F14-FD0FC1827DCF}" type="datetimeFigureOut">
               <a:rPr lang="en-US" smtClean="0"/>
-              <a:t>7/6/2021</a:t>
+              <a:t>7/8/2021</a:t>
             </a:fld>
             <a:endParaRPr lang="en-US"/>
           </a:p>
@@ -1951,7 +1957,7 @@
           <a:p>
             <a:fld id="{F29F4A09-2506-4DE8-9F14-FD0FC1827DCF}" type="datetimeFigureOut">
               <a:rPr lang="en-US" smtClean="0"/>
-              <a:t>7/6/2021</a:t>
+              <a:t>7/8/2021</a:t>
             </a:fld>
             <a:endParaRPr lang="en-US"/>
           </a:p>
@@ -2064,7 +2070,7 @@
           <a:p>
             <a:fld id="{F29F4A09-2506-4DE8-9F14-FD0FC1827DCF}" type="datetimeFigureOut">
               <a:rPr lang="en-US" smtClean="0"/>
-              <a:t>7/6/2021</a:t>
+              <a:t>7/8/2021</a:t>
             </a:fld>
             <a:endParaRPr lang="en-US"/>
           </a:p>
@@ -2375,7 +2381,7 @@
           <a:p>
             <a:fld id="{F29F4A09-2506-4DE8-9F14-FD0FC1827DCF}" type="datetimeFigureOut">
               <a:rPr lang="en-US" smtClean="0"/>
-              <a:t>7/6/2021</a:t>
+              <a:t>7/8/2021</a:t>
             </a:fld>
             <a:endParaRPr lang="en-US"/>
           </a:p>
@@ -2663,7 +2669,7 @@
           <a:p>
             <a:fld id="{F29F4A09-2506-4DE8-9F14-FD0FC1827DCF}" type="datetimeFigureOut">
               <a:rPr lang="en-US" smtClean="0"/>
-              <a:t>7/6/2021</a:t>
+              <a:t>7/8/2021</a:t>
             </a:fld>
             <a:endParaRPr lang="en-US"/>
           </a:p>
@@ -2904,7 +2910,7 @@
           <a:p>
             <a:fld id="{F29F4A09-2506-4DE8-9F14-FD0FC1827DCF}" type="datetimeFigureOut">
               <a:rPr lang="en-US" smtClean="0"/>
-              <a:t>7/6/2021</a:t>
+              <a:t>7/8/2021</a:t>
             </a:fld>
             <a:endParaRPr lang="en-US"/>
           </a:p>
@@ -4236,6 +4242,636 @@
 </p:sld>
 </file>
 
+<file path=ppt/slides/slide2.xml><?xml version="1.0" encoding="utf-8"?>
+<p:sld xmlns:a="http://schemas.openxmlformats.org/drawingml/2006/main" xmlns:r="http://schemas.openxmlformats.org/officeDocument/2006/relationships" xmlns:p="http://schemas.openxmlformats.org/presentationml/2006/main">
+  <p:cSld>
+    <p:spTree>
+      <p:nvGrpSpPr>
+        <p:cNvPr id="1" name=""/>
+        <p:cNvGrpSpPr/>
+        <p:nvPr/>
+      </p:nvGrpSpPr>
+      <p:grpSpPr>
+        <a:xfrm>
+          <a:off x="0" y="0"/>
+          <a:ext cx="0" cy="0"/>
+          <a:chOff x="0" y="0"/>
+          <a:chExt cx="0" cy="0"/>
+        </a:xfrm>
+      </p:grpSpPr>
+      <p:sp>
+        <p:nvSpPr>
+          <p:cNvPr id="2" name="Rectangle 1">
+            <a:extLst>
+              <a:ext uri="{FF2B5EF4-FFF2-40B4-BE49-F238E27FC236}">
+                <a16:creationId xmlns:a16="http://schemas.microsoft.com/office/drawing/2014/main" id="{E261FB99-DA9C-4ECC-828C-631BA4C1D992}"/>
+              </a:ext>
+            </a:extLst>
+          </p:cNvPr>
+          <p:cNvSpPr/>
+          <p:nvPr/>
+        </p:nvSpPr>
+        <p:spPr>
+          <a:xfrm>
+            <a:off x="830510" y="293615"/>
+            <a:ext cx="11115413" cy="6308521"/>
+          </a:xfrm>
+          <a:prstGeom prst="rect">
+            <a:avLst/>
+          </a:prstGeom>
+          <a:noFill/>
+        </p:spPr>
+        <p:style>
+          <a:lnRef idx="2">
+            <a:schemeClr val="accent1">
+              <a:shade val="50000"/>
+            </a:schemeClr>
+          </a:lnRef>
+          <a:fillRef idx="1">
+            <a:schemeClr val="accent1"/>
+          </a:fillRef>
+          <a:effectRef idx="0">
+            <a:schemeClr val="accent1"/>
+          </a:effectRef>
+          <a:fontRef idx="minor">
+            <a:schemeClr val="lt1"/>
+          </a:fontRef>
+        </p:style>
+        <p:txBody>
+          <a:bodyPr rtlCol="0" anchor="ctr"/>
+          <a:lstStyle/>
+          <a:p>
+            <a:pPr algn="ctr"/>
+            <a:endParaRPr lang="en-US"/>
+          </a:p>
+        </p:txBody>
+      </p:sp>
+      <p:sp>
+        <p:nvSpPr>
+          <p:cNvPr id="3" name="TextBox 2">
+            <a:extLst>
+              <a:ext uri="{FF2B5EF4-FFF2-40B4-BE49-F238E27FC236}">
+                <a16:creationId xmlns:a16="http://schemas.microsoft.com/office/drawing/2014/main" id="{892633C3-39AE-4291-A454-E378EFFE3466}"/>
+              </a:ext>
+            </a:extLst>
+          </p:cNvPr>
+          <p:cNvSpPr txBox="1"/>
+          <p:nvPr/>
+        </p:nvSpPr>
+        <p:spPr>
+          <a:xfrm>
+            <a:off x="5368954" y="436228"/>
+            <a:ext cx="1627464" cy="369332"/>
+          </a:xfrm>
+          <a:prstGeom prst="rect">
+            <a:avLst/>
+          </a:prstGeom>
+          <a:noFill/>
+        </p:spPr>
+        <p:txBody>
+          <a:bodyPr wrap="square" rtlCol="0">
+            <a:spAutoFit/>
+          </a:bodyPr>
+          <a:lstStyle/>
+          <a:p>
+            <a:r>
+              <a:rPr lang="en-US" dirty="0"/>
+              <a:t>County Entity</a:t>
+            </a:r>
+          </a:p>
+        </p:txBody>
+      </p:sp>
+      <p:graphicFrame>
+        <p:nvGraphicFramePr>
+          <p:cNvPr id="4" name="Table 4">
+            <a:extLst>
+              <a:ext uri="{FF2B5EF4-FFF2-40B4-BE49-F238E27FC236}">
+                <a16:creationId xmlns:a16="http://schemas.microsoft.com/office/drawing/2014/main" id="{93136F12-053E-4B62-A453-FDC1B96743AB}"/>
+              </a:ext>
+            </a:extLst>
+          </p:cNvPr>
+          <p:cNvGraphicFramePr>
+            <a:graphicFrameLocks noGrp="1"/>
+          </p:cNvGraphicFramePr>
+          <p:nvPr>
+            <p:extLst>
+              <p:ext uri="{D42A27DB-BD31-4B8C-83A1-F6EECF244321}">
+                <p14:modId xmlns:p14="http://schemas.microsoft.com/office/powerpoint/2010/main" val="2290120722"/>
+              </p:ext>
+            </p:extLst>
+          </p:nvPr>
+        </p:nvGraphicFramePr>
+        <p:xfrm>
+          <a:off x="2107501" y="1366077"/>
+          <a:ext cx="4064000" cy="2123440"/>
+        </p:xfrm>
+        <a:graphic>
+          <a:graphicData uri="http://schemas.openxmlformats.org/drawingml/2006/table">
+            <a:tbl>
+              <a:tblPr firstRow="1" bandRow="1">
+                <a:tableStyleId>{5C22544A-7EE6-4342-B048-85BDC9FD1C3A}</a:tableStyleId>
+              </a:tblPr>
+              <a:tblGrid>
+                <a:gridCol w="4064000">
+                  <a:extLst>
+                    <a:ext uri="{9D8B030D-6E8A-4147-A177-3AD203B41FA5}">
+                      <a16:colId xmlns:a16="http://schemas.microsoft.com/office/drawing/2014/main" val="3971894096"/>
+                    </a:ext>
+                  </a:extLst>
+                </a:gridCol>
+              </a:tblGrid>
+              <a:tr h="370840">
+                <a:tc>
+                  <a:txBody>
+                    <a:bodyPr/>
+                    <a:lstStyle/>
+                    <a:p>
+                      <a:r>
+                        <a:rPr lang="en-US" dirty="0"/>
+                        <a:t>County</a:t>
+                      </a:r>
+                    </a:p>
+                  </a:txBody>
+                  <a:tcPr/>
+                </a:tc>
+                <a:extLst>
+                  <a:ext uri="{0D108BD9-81ED-4DB2-BD59-A6C34878D82A}">
+                    <a16:rowId xmlns:a16="http://schemas.microsoft.com/office/drawing/2014/main" val="1084116780"/>
+                  </a:ext>
+                </a:extLst>
+              </a:tr>
+              <a:tr h="370840">
+                <a:tc>
+                  <a:txBody>
+                    <a:bodyPr/>
+                    <a:lstStyle/>
+                    <a:p>
+                      <a:r>
+                        <a:rPr lang="en-US" dirty="0" err="1"/>
+                        <a:t>Taxroll</a:t>
+                      </a:r>
+                      <a:endParaRPr lang="en-US" dirty="0"/>
+                    </a:p>
+                  </a:txBody>
+                  <a:tcPr/>
+                </a:tc>
+                <a:extLst>
+                  <a:ext uri="{0D108BD9-81ED-4DB2-BD59-A6C34878D82A}">
+                    <a16:rowId xmlns:a16="http://schemas.microsoft.com/office/drawing/2014/main" val="4270178999"/>
+                  </a:ext>
+                </a:extLst>
+              </a:tr>
+              <a:tr h="370840">
+                <a:tc>
+                  <a:txBody>
+                    <a:bodyPr/>
+                    <a:lstStyle/>
+                    <a:p>
+                      <a:r>
+                        <a:rPr lang="en-US" dirty="0"/>
+                        <a:t>Transactions</a:t>
+                      </a:r>
+                    </a:p>
+                  </a:txBody>
+                  <a:tcPr/>
+                </a:tc>
+                <a:extLst>
+                  <a:ext uri="{0D108BD9-81ED-4DB2-BD59-A6C34878D82A}">
+                    <a16:rowId xmlns:a16="http://schemas.microsoft.com/office/drawing/2014/main" val="456847554"/>
+                  </a:ext>
+                </a:extLst>
+              </a:tr>
+              <a:tr h="370840">
+                <a:tc>
+                  <a:txBody>
+                    <a:bodyPr/>
+                    <a:lstStyle/>
+                    <a:p>
+                      <a:r>
+                        <a:rPr lang="en-US" dirty="0"/>
+                        <a:t>Neighborhoods</a:t>
+                      </a:r>
+                    </a:p>
+                  </a:txBody>
+                  <a:tcPr/>
+                </a:tc>
+                <a:extLst>
+                  <a:ext uri="{0D108BD9-81ED-4DB2-BD59-A6C34878D82A}">
+                    <a16:rowId xmlns:a16="http://schemas.microsoft.com/office/drawing/2014/main" val="1366904816"/>
+                  </a:ext>
+                </a:extLst>
+              </a:tr>
+              <a:tr h="370840">
+                <a:tc>
+                  <a:txBody>
+                    <a:bodyPr/>
+                    <a:lstStyle/>
+                    <a:p>
+                      <a:r>
+                        <a:rPr lang="en-US" dirty="0"/>
+                        <a:t>Available quantifiable dimensions </a:t>
+                      </a:r>
+                      <a:r>
+                        <a:rPr lang="en-US"/>
+                        <a:t>(schema)</a:t>
+                      </a:r>
+                      <a:endParaRPr lang="en-US" dirty="0"/>
+                    </a:p>
+                  </a:txBody>
+                  <a:tcPr/>
+                </a:tc>
+                <a:extLst>
+                  <a:ext uri="{0D108BD9-81ED-4DB2-BD59-A6C34878D82A}">
+                    <a16:rowId xmlns:a16="http://schemas.microsoft.com/office/drawing/2014/main" val="2618356428"/>
+                  </a:ext>
+                </a:extLst>
+              </a:tr>
+            </a:tbl>
+          </a:graphicData>
+        </a:graphic>
+      </p:graphicFrame>
+      <p:graphicFrame>
+        <p:nvGraphicFramePr>
+          <p:cNvPr id="6" name="Table 6">
+            <a:extLst>
+              <a:ext uri="{FF2B5EF4-FFF2-40B4-BE49-F238E27FC236}">
+                <a16:creationId xmlns:a16="http://schemas.microsoft.com/office/drawing/2014/main" id="{4FCAF986-393F-4498-80E7-34BFC4DC478D}"/>
+              </a:ext>
+            </a:extLst>
+          </p:cNvPr>
+          <p:cNvGraphicFramePr>
+            <a:graphicFrameLocks noGrp="1"/>
+          </p:cNvGraphicFramePr>
+          <p:nvPr>
+            <p:extLst>
+              <p:ext uri="{D42A27DB-BD31-4B8C-83A1-F6EECF244321}">
+                <p14:modId xmlns:p14="http://schemas.microsoft.com/office/powerpoint/2010/main" val="4048853952"/>
+              </p:ext>
+            </p:extLst>
+          </p:nvPr>
+        </p:nvGraphicFramePr>
+        <p:xfrm>
+          <a:off x="6629167" y="1661020"/>
+          <a:ext cx="2187662" cy="1478280"/>
+        </p:xfrm>
+        <a:graphic>
+          <a:graphicData uri="http://schemas.openxmlformats.org/drawingml/2006/table">
+            <a:tbl>
+              <a:tblPr firstRow="1" bandRow="1">
+                <a:tableStyleId>{5C22544A-7EE6-4342-B048-85BDC9FD1C3A}</a:tableStyleId>
+              </a:tblPr>
+              <a:tblGrid>
+                <a:gridCol w="2187662">
+                  <a:extLst>
+                    <a:ext uri="{9D8B030D-6E8A-4147-A177-3AD203B41FA5}">
+                      <a16:colId xmlns:a16="http://schemas.microsoft.com/office/drawing/2014/main" val="1312448212"/>
+                    </a:ext>
+                  </a:extLst>
+                </a:gridCol>
+              </a:tblGrid>
+              <a:tr h="310789">
+                <a:tc>
+                  <a:txBody>
+                    <a:bodyPr/>
+                    <a:lstStyle/>
+                    <a:p>
+                      <a:r>
+                        <a:rPr lang="en-US" dirty="0"/>
+                        <a:t>Neighborhoods</a:t>
+                      </a:r>
+                    </a:p>
+                  </a:txBody>
+                  <a:tcPr/>
+                </a:tc>
+                <a:extLst>
+                  <a:ext uri="{0D108BD9-81ED-4DB2-BD59-A6C34878D82A}">
+                    <a16:rowId xmlns:a16="http://schemas.microsoft.com/office/drawing/2014/main" val="889024877"/>
+                  </a:ext>
+                </a:extLst>
+              </a:tr>
+              <a:tr h="370840">
+                <a:tc>
+                  <a:txBody>
+                    <a:bodyPr/>
+                    <a:lstStyle/>
+                    <a:p>
+                      <a:r>
+                        <a:rPr lang="en-US" dirty="0"/>
+                        <a:t>Streets</a:t>
+                      </a:r>
+                    </a:p>
+                  </a:txBody>
+                  <a:tcPr/>
+                </a:tc>
+                <a:extLst>
+                  <a:ext uri="{0D108BD9-81ED-4DB2-BD59-A6C34878D82A}">
+                    <a16:rowId xmlns:a16="http://schemas.microsoft.com/office/drawing/2014/main" val="638061763"/>
+                  </a:ext>
+                </a:extLst>
+              </a:tr>
+              <a:tr h="370840">
+                <a:tc>
+                  <a:txBody>
+                    <a:bodyPr/>
+                    <a:lstStyle/>
+                    <a:p>
+                      <a:r>
+                        <a:rPr lang="en-US" dirty="0" err="1"/>
+                        <a:t>Dimension_models</a:t>
+                      </a:r>
+                      <a:endParaRPr lang="en-US" dirty="0"/>
+                    </a:p>
+                  </a:txBody>
+                  <a:tcPr/>
+                </a:tc>
+                <a:extLst>
+                  <a:ext uri="{0D108BD9-81ED-4DB2-BD59-A6C34878D82A}">
+                    <a16:rowId xmlns:a16="http://schemas.microsoft.com/office/drawing/2014/main" val="1305332119"/>
+                  </a:ext>
+                </a:extLst>
+              </a:tr>
+              <a:tr h="370840">
+                <a:tc>
+                  <a:txBody>
+                    <a:bodyPr/>
+                    <a:lstStyle/>
+                    <a:p>
+                      <a:endParaRPr lang="en-US" dirty="0"/>
+                    </a:p>
+                  </a:txBody>
+                  <a:tcPr/>
+                </a:tc>
+                <a:extLst>
+                  <a:ext uri="{0D108BD9-81ED-4DB2-BD59-A6C34878D82A}">
+                    <a16:rowId xmlns:a16="http://schemas.microsoft.com/office/drawing/2014/main" val="688241204"/>
+                  </a:ext>
+                </a:extLst>
+              </a:tr>
+            </a:tbl>
+          </a:graphicData>
+        </a:graphic>
+      </p:graphicFrame>
+      <p:graphicFrame>
+        <p:nvGraphicFramePr>
+          <p:cNvPr id="8" name="Table 6">
+            <a:extLst>
+              <a:ext uri="{FF2B5EF4-FFF2-40B4-BE49-F238E27FC236}">
+                <a16:creationId xmlns:a16="http://schemas.microsoft.com/office/drawing/2014/main" id="{00159D66-7AFF-471B-8B84-69F663A523B1}"/>
+              </a:ext>
+            </a:extLst>
+          </p:cNvPr>
+          <p:cNvGraphicFramePr>
+            <a:graphicFrameLocks noGrp="1"/>
+          </p:cNvGraphicFramePr>
+          <p:nvPr>
+            <p:extLst>
+              <p:ext uri="{D42A27DB-BD31-4B8C-83A1-F6EECF244321}">
+                <p14:modId xmlns:p14="http://schemas.microsoft.com/office/powerpoint/2010/main" val="1660025977"/>
+              </p:ext>
+            </p:extLst>
+          </p:nvPr>
+        </p:nvGraphicFramePr>
+        <p:xfrm>
+          <a:off x="7310073" y="3767565"/>
+          <a:ext cx="2187662" cy="1478280"/>
+        </p:xfrm>
+        <a:graphic>
+          <a:graphicData uri="http://schemas.openxmlformats.org/drawingml/2006/table">
+            <a:tbl>
+              <a:tblPr firstRow="1" bandRow="1">
+                <a:tableStyleId>{5C22544A-7EE6-4342-B048-85BDC9FD1C3A}</a:tableStyleId>
+              </a:tblPr>
+              <a:tblGrid>
+                <a:gridCol w="2187662">
+                  <a:extLst>
+                    <a:ext uri="{9D8B030D-6E8A-4147-A177-3AD203B41FA5}">
+                      <a16:colId xmlns:a16="http://schemas.microsoft.com/office/drawing/2014/main" val="1312448212"/>
+                    </a:ext>
+                  </a:extLst>
+                </a:gridCol>
+              </a:tblGrid>
+              <a:tr h="310789">
+                <a:tc>
+                  <a:txBody>
+                    <a:bodyPr/>
+                    <a:lstStyle/>
+                    <a:p>
+                      <a:r>
+                        <a:rPr lang="en-US" dirty="0"/>
+                        <a:t>Houses</a:t>
+                      </a:r>
+                    </a:p>
+                  </a:txBody>
+                  <a:tcPr/>
+                </a:tc>
+                <a:extLst>
+                  <a:ext uri="{0D108BD9-81ED-4DB2-BD59-A6C34878D82A}">
+                    <a16:rowId xmlns:a16="http://schemas.microsoft.com/office/drawing/2014/main" val="889024877"/>
+                  </a:ext>
+                </a:extLst>
+              </a:tr>
+              <a:tr h="370840">
+                <a:tc>
+                  <a:txBody>
+                    <a:bodyPr/>
+                    <a:lstStyle/>
+                    <a:p>
+                      <a:r>
+                        <a:rPr lang="en-US" dirty="0"/>
+                        <a:t>Dimensions</a:t>
+                      </a:r>
+                    </a:p>
+                  </a:txBody>
+                  <a:tcPr/>
+                </a:tc>
+                <a:extLst>
+                  <a:ext uri="{0D108BD9-81ED-4DB2-BD59-A6C34878D82A}">
+                    <a16:rowId xmlns:a16="http://schemas.microsoft.com/office/drawing/2014/main" val="638061763"/>
+                  </a:ext>
+                </a:extLst>
+              </a:tr>
+              <a:tr h="370840">
+                <a:tc>
+                  <a:txBody>
+                    <a:bodyPr/>
+                    <a:lstStyle/>
+                    <a:p>
+                      <a:r>
+                        <a:rPr lang="en-US" dirty="0" err="1"/>
+                        <a:t>Modeled_value</a:t>
+                      </a:r>
+                      <a:endParaRPr lang="en-US" dirty="0"/>
+                    </a:p>
+                  </a:txBody>
+                  <a:tcPr/>
+                </a:tc>
+                <a:extLst>
+                  <a:ext uri="{0D108BD9-81ED-4DB2-BD59-A6C34878D82A}">
+                    <a16:rowId xmlns:a16="http://schemas.microsoft.com/office/drawing/2014/main" val="1305332119"/>
+                  </a:ext>
+                </a:extLst>
+              </a:tr>
+              <a:tr h="370840">
+                <a:tc>
+                  <a:txBody>
+                    <a:bodyPr/>
+                    <a:lstStyle/>
+                    <a:p>
+                      <a:endParaRPr lang="en-US" dirty="0"/>
+                    </a:p>
+                  </a:txBody>
+                  <a:tcPr/>
+                </a:tc>
+                <a:extLst>
+                  <a:ext uri="{0D108BD9-81ED-4DB2-BD59-A6C34878D82A}">
+                    <a16:rowId xmlns:a16="http://schemas.microsoft.com/office/drawing/2014/main" val="688241204"/>
+                  </a:ext>
+                </a:extLst>
+              </a:tr>
+            </a:tbl>
+          </a:graphicData>
+        </a:graphic>
+      </p:graphicFrame>
+      <p:graphicFrame>
+        <p:nvGraphicFramePr>
+          <p:cNvPr id="9" name="Table 6">
+            <a:extLst>
+              <a:ext uri="{FF2B5EF4-FFF2-40B4-BE49-F238E27FC236}">
+                <a16:creationId xmlns:a16="http://schemas.microsoft.com/office/drawing/2014/main" id="{729CAFDF-B267-4414-BDE4-79DC2F3F8C0E}"/>
+              </a:ext>
+            </a:extLst>
+          </p:cNvPr>
+          <p:cNvGraphicFramePr>
+            <a:graphicFrameLocks noGrp="1"/>
+          </p:cNvGraphicFramePr>
+          <p:nvPr>
+            <p:extLst>
+              <p:ext uri="{D42A27DB-BD31-4B8C-83A1-F6EECF244321}">
+                <p14:modId xmlns:p14="http://schemas.microsoft.com/office/powerpoint/2010/main" val="2095392940"/>
+              </p:ext>
+            </p:extLst>
+          </p:nvPr>
+        </p:nvGraphicFramePr>
+        <p:xfrm>
+          <a:off x="4200554" y="4078448"/>
+          <a:ext cx="2187662" cy="1478280"/>
+        </p:xfrm>
+        <a:graphic>
+          <a:graphicData uri="http://schemas.openxmlformats.org/drawingml/2006/table">
+            <a:tbl>
+              <a:tblPr firstRow="1" bandRow="1">
+                <a:tableStyleId>{5C22544A-7EE6-4342-B048-85BDC9FD1C3A}</a:tableStyleId>
+              </a:tblPr>
+              <a:tblGrid>
+                <a:gridCol w="2187662">
+                  <a:extLst>
+                    <a:ext uri="{9D8B030D-6E8A-4147-A177-3AD203B41FA5}">
+                      <a16:colId xmlns:a16="http://schemas.microsoft.com/office/drawing/2014/main" val="1312448212"/>
+                    </a:ext>
+                  </a:extLst>
+                </a:gridCol>
+              </a:tblGrid>
+              <a:tr h="310789">
+                <a:tc>
+                  <a:txBody>
+                    <a:bodyPr/>
+                    <a:lstStyle/>
+                    <a:p>
+                      <a:r>
+                        <a:rPr lang="en-US" dirty="0"/>
+                        <a:t>Streets</a:t>
+                      </a:r>
+                    </a:p>
+                  </a:txBody>
+                  <a:tcPr/>
+                </a:tc>
+                <a:extLst>
+                  <a:ext uri="{0D108BD9-81ED-4DB2-BD59-A6C34878D82A}">
+                    <a16:rowId xmlns:a16="http://schemas.microsoft.com/office/drawing/2014/main" val="889024877"/>
+                  </a:ext>
+                </a:extLst>
+              </a:tr>
+              <a:tr h="370840">
+                <a:tc>
+                  <a:txBody>
+                    <a:bodyPr/>
+                    <a:lstStyle/>
+                    <a:p>
+                      <a:r>
+                        <a:rPr lang="en-US" dirty="0"/>
+                        <a:t>Houses</a:t>
+                      </a:r>
+                    </a:p>
+                  </a:txBody>
+                  <a:tcPr/>
+                </a:tc>
+                <a:extLst>
+                  <a:ext uri="{0D108BD9-81ED-4DB2-BD59-A6C34878D82A}">
+                    <a16:rowId xmlns:a16="http://schemas.microsoft.com/office/drawing/2014/main" val="638061763"/>
+                  </a:ext>
+                </a:extLst>
+              </a:tr>
+              <a:tr h="370840">
+                <a:tc>
+                  <a:txBody>
+                    <a:bodyPr/>
+                    <a:lstStyle/>
+                    <a:p>
+                      <a:r>
+                        <a:rPr lang="en-US" dirty="0"/>
+                        <a:t>Dimensions</a:t>
+                      </a:r>
+                    </a:p>
+                  </a:txBody>
+                  <a:tcPr/>
+                </a:tc>
+                <a:extLst>
+                  <a:ext uri="{0D108BD9-81ED-4DB2-BD59-A6C34878D82A}">
+                    <a16:rowId xmlns:a16="http://schemas.microsoft.com/office/drawing/2014/main" val="1305332119"/>
+                  </a:ext>
+                </a:extLst>
+              </a:tr>
+              <a:tr h="370840">
+                <a:tc>
+                  <a:txBody>
+                    <a:bodyPr/>
+                    <a:lstStyle/>
+                    <a:p>
+                      <a:r>
+                        <a:rPr lang="en-US" dirty="0" err="1"/>
+                        <a:t>Get_bar_chart</a:t>
+                      </a:r>
+                      <a:r>
+                        <a:rPr lang="en-US" dirty="0"/>
+                        <a:t>()</a:t>
+                      </a:r>
+                    </a:p>
+                  </a:txBody>
+                  <a:tcPr/>
+                </a:tc>
+                <a:extLst>
+                  <a:ext uri="{0D108BD9-81ED-4DB2-BD59-A6C34878D82A}">
+                    <a16:rowId xmlns:a16="http://schemas.microsoft.com/office/drawing/2014/main" val="688241204"/>
+                  </a:ext>
+                </a:extLst>
+              </a:tr>
+            </a:tbl>
+          </a:graphicData>
+        </a:graphic>
+      </p:graphicFrame>
+    </p:spTree>
+    <p:extLst>
+      <p:ext uri="{BB962C8B-B14F-4D97-AF65-F5344CB8AC3E}">
+        <p14:creationId xmlns:p14="http://schemas.microsoft.com/office/powerpoint/2010/main" val="3538019322"/>
+      </p:ext>
+    </p:extLst>
+  </p:cSld>
+  <p:clrMapOvr>
+    <a:masterClrMapping/>
+  </p:clrMapOvr>
+</p:sld>
+</file>
+
 <file path=ppt/theme/theme1.xml><?xml version="1.0" encoding="utf-8"?>
 <a:theme xmlns:a="http://schemas.openxmlformats.org/drawingml/2006/main" name="Office Theme">
   <a:themeElements>
